--- a/課題研究/2016/増田準/最終発表/1442104増田準_ポスター.pptx
+++ b/課題研究/2016/増田準/最終発表/1442104増田準_ポスター.pptx
@@ -208,7 +208,7 @@
           <a:p>
             <a:fld id="{210935E7-A51F-4FE3-8E46-E43B536CCFB8}" type="datetimeFigureOut">
               <a:rPr kumimoji="1" lang="ja-JP" altLang="en-US" smtClean="0"/>
-              <a:t>2016/12/14</a:t>
+              <a:t>2016/12/15</a:t>
             </a:fld>
             <a:endParaRPr kumimoji="1" lang="ja-JP" altLang="en-US"/>
           </a:p>
@@ -731,7 +731,7 @@
                 </a:solidFill>
               </a:rPr>
               <a:pPr/>
-              <a:t>2016/12/14</a:t>
+              <a:t>2016/12/15</a:t>
             </a:fld>
             <a:endParaRPr lang="ja-JP" altLang="en-US">
               <a:solidFill>
@@ -970,7 +970,7 @@
                 </a:solidFill>
               </a:rPr>
               <a:pPr/>
-              <a:t>2016/12/14</a:t>
+              <a:t>2016/12/15</a:t>
             </a:fld>
             <a:endParaRPr lang="ja-JP" altLang="en-US">
               <a:solidFill>
@@ -1219,7 +1219,7 @@
                 </a:solidFill>
               </a:rPr>
               <a:pPr/>
-              <a:t>2016/12/14</a:t>
+              <a:t>2016/12/15</a:t>
             </a:fld>
             <a:endParaRPr lang="ja-JP" altLang="en-US">
               <a:solidFill>
@@ -1458,7 +1458,7 @@
                 </a:solidFill>
               </a:rPr>
               <a:pPr/>
-              <a:t>2016/12/14</a:t>
+              <a:t>2016/12/15</a:t>
             </a:fld>
             <a:endParaRPr lang="ja-JP" altLang="en-US">
               <a:solidFill>
@@ -1741,7 +1741,7 @@
                 </a:solidFill>
               </a:rPr>
               <a:pPr/>
-              <a:t>2016/12/14</a:t>
+              <a:t>2016/12/15</a:t>
             </a:fld>
             <a:endParaRPr lang="ja-JP" altLang="en-US">
               <a:solidFill>
@@ -2074,7 +2074,7 @@
                 </a:solidFill>
               </a:rPr>
               <a:pPr/>
-              <a:t>2016/12/14</a:t>
+              <a:t>2016/12/15</a:t>
             </a:fld>
             <a:endParaRPr lang="ja-JP" altLang="en-US">
               <a:solidFill>
@@ -2542,7 +2542,7 @@
                 </a:solidFill>
               </a:rPr>
               <a:pPr/>
-              <a:t>2016/12/14</a:t>
+              <a:t>2016/12/15</a:t>
             </a:fld>
             <a:endParaRPr lang="ja-JP" altLang="en-US">
               <a:solidFill>
@@ -2697,7 +2697,7 @@
                 </a:solidFill>
               </a:rPr>
               <a:pPr/>
-              <a:t>2016/12/14</a:t>
+              <a:t>2016/12/15</a:t>
             </a:fld>
             <a:endParaRPr lang="ja-JP" altLang="en-US">
               <a:solidFill>
@@ -2829,7 +2829,7 @@
                 </a:solidFill>
               </a:rPr>
               <a:pPr/>
-              <a:t>2016/12/14</a:t>
+              <a:t>2016/12/15</a:t>
             </a:fld>
             <a:endParaRPr lang="ja-JP" altLang="en-US">
               <a:solidFill>
@@ -3175,7 +3175,7 @@
                 </a:solidFill>
               </a:rPr>
               <a:pPr/>
-              <a:t>2016/12/14</a:t>
+              <a:t>2016/12/15</a:t>
             </a:fld>
             <a:endParaRPr lang="ja-JP" altLang="en-US">
               <a:solidFill>
@@ -3465,7 +3465,7 @@
                 </a:solidFill>
               </a:rPr>
               <a:pPr/>
-              <a:t>2016/12/14</a:t>
+              <a:t>2016/12/15</a:t>
             </a:fld>
             <a:endParaRPr lang="ja-JP" altLang="en-US">
               <a:solidFill>
@@ -3748,7 +3748,7 @@
                 </a:solidFill>
               </a:rPr>
               <a:pPr defTabSz="2951897"/>
-              <a:t>2016/12/14</a:t>
+              <a:t>2016/12/15</a:t>
             </a:fld>
             <a:endParaRPr lang="ja-JP" altLang="en-US">
               <a:solidFill>
@@ -4588,22 +4588,14 @@
             </a:r>
             <a:r>
               <a:rPr lang="ja-JP" altLang="en-US" sz="4000" dirty="0" smtClean="0"/>
-              <a:t>の画像が大量</a:t>
-            </a:r>
+              <a:t>の画像が大量に</a:t>
+            </a:r>
+            <a:endParaRPr lang="en-US" altLang="ja-JP" sz="4000" dirty="0" smtClean="0"/>
+          </a:p>
+          <a:p>
             <a:r>
               <a:rPr lang="ja-JP" altLang="en-US" sz="4000" dirty="0" smtClean="0"/>
-              <a:t>に</a:t>
-            </a:r>
-            <a:endParaRPr lang="en-US" altLang="ja-JP" sz="4000" dirty="0" smtClean="0"/>
-          </a:p>
-          <a:p>
-            <a:r>
-              <a:rPr lang="ja-JP" altLang="en-US" sz="4000" dirty="0" smtClean="0"/>
-              <a:t>入った</a:t>
-            </a:r>
-            <a:r>
-              <a:rPr lang="ja-JP" altLang="en-US" sz="4000" dirty="0" smtClean="0"/>
-              <a:t>データセット，</a:t>
+              <a:t>入ったデータセット，</a:t>
             </a:r>
             <a:r>
               <a:rPr lang="en-US" altLang="ja-JP" sz="4800" dirty="0" smtClean="0"/>
@@ -5022,8 +5014,8 @@
         </p:nvSpPr>
         <p:spPr>
           <a:xfrm>
-            <a:off x="-587095" y="223789"/>
-            <a:ext cx="21530392" cy="3570208"/>
+            <a:off x="866468" y="262002"/>
+            <a:ext cx="18031599" cy="2677656"/>
           </a:xfrm>
           <a:prstGeom prst="rect">
             <a:avLst/>
@@ -5036,50 +5028,62 @@
           </a:bodyPr>
           <a:lstStyle/>
           <a:p>
-            <a:pPr lvl="1"/>
-            <a:r>
-              <a:rPr lang="ja-JP" altLang="en-US" sz="8000" b="1" dirty="0">
+            <a:r>
+              <a:rPr lang="ja-JP" altLang="en-US" sz="8300" dirty="0">
                 <a:solidFill>
                   <a:schemeClr val="bg1"/>
                 </a:solidFill>
-                <a:latin typeface="小塚ゴシック Pr6N EL" panose="020B0200000000000000" pitchFamily="34" charset="-128"/>
-                <a:ea typeface="小塚ゴシック Pr6N EL" panose="020B0200000000000000" pitchFamily="34" charset="-128"/>
-              </a:rPr>
-              <a:t>ディープラーニングによる </a:t>
-            </a:r>
-            <a:endParaRPr lang="en-US" altLang="ja-JP" sz="8000" b="1" dirty="0" smtClean="0">
+                <a:latin typeface="小塚ゴシック Pr6N L" panose="020B0200000000000000" pitchFamily="34" charset="-128"/>
+                <a:ea typeface="小塚ゴシック Pr6N L" panose="020B0200000000000000" pitchFamily="34" charset="-128"/>
+              </a:rPr>
+              <a:t>ディープラーニングを</a:t>
+            </a:r>
+            <a:r>
+              <a:rPr lang="ja-JP" altLang="en-US" sz="8300" dirty="0" smtClean="0">
+                <a:solidFill>
+                  <a:schemeClr val="bg1"/>
+                </a:solidFill>
+                <a:latin typeface="小塚ゴシック Pr6N L" panose="020B0200000000000000" pitchFamily="34" charset="-128"/>
+                <a:ea typeface="小塚ゴシック Pr6N L" panose="020B0200000000000000" pitchFamily="34" charset="-128"/>
+              </a:rPr>
+              <a:t>用いた</a:t>
+            </a:r>
+            <a:endParaRPr lang="en-US" altLang="ja-JP" sz="8300" dirty="0" smtClean="0">
               <a:solidFill>
                 <a:schemeClr val="bg1"/>
               </a:solidFill>
-              <a:latin typeface="小塚ゴシック Pr6N EL" panose="020B0200000000000000" pitchFamily="34" charset="-128"/>
-              <a:ea typeface="小塚ゴシック Pr6N EL" panose="020B0200000000000000" pitchFamily="34" charset="-128"/>
+              <a:latin typeface="小塚ゴシック Pr6N L" panose="020B0200000000000000" pitchFamily="34" charset="-128"/>
+              <a:ea typeface="小塚ゴシック Pr6N L" panose="020B0200000000000000" pitchFamily="34" charset="-128"/>
             </a:endParaRPr>
           </a:p>
           <a:p>
-            <a:pPr lvl="1"/>
-            <a:r>
-              <a:rPr lang="en-US" altLang="ja-JP" sz="8000" b="1" dirty="0" smtClean="0">
+            <a:r>
+              <a:rPr lang="ja-JP" altLang="en-US" sz="8300" dirty="0" smtClean="0">
                 <a:solidFill>
                   <a:schemeClr val="bg1"/>
                 </a:solidFill>
-                <a:latin typeface="小塚ゴシック Pr6N EL" panose="020B0200000000000000" pitchFamily="34" charset="-128"/>
-                <a:ea typeface="小塚ゴシック Pr6N EL" panose="020B0200000000000000" pitchFamily="34" charset="-128"/>
-              </a:rPr>
-              <a:t>Web </a:t>
-            </a:r>
-            <a:r>
-              <a:rPr lang="ja-JP" altLang="en-US" sz="8000" b="1" dirty="0">
+                <a:latin typeface="小塚ゴシック Pr6N L" panose="020B0200000000000000" pitchFamily="34" charset="-128"/>
+                <a:ea typeface="小塚ゴシック Pr6N L" panose="020B0200000000000000" pitchFamily="34" charset="-128"/>
+              </a:rPr>
+              <a:t>ウェブサイトデザイン</a:t>
+            </a:r>
+            <a:r>
+              <a:rPr lang="ja-JP" altLang="en-US" sz="8300" dirty="0">
                 <a:solidFill>
                   <a:schemeClr val="bg1"/>
                 </a:solidFill>
-                <a:latin typeface="小塚ゴシック Pr6N EL" panose="020B0200000000000000" pitchFamily="34" charset="-128"/>
-                <a:ea typeface="小塚ゴシック Pr6N EL" panose="020B0200000000000000" pitchFamily="34" charset="-128"/>
-              </a:rPr>
-              <a:t>デザイン解析</a:t>
-            </a:r>
-          </a:p>
-          <a:p>
-            <a:endParaRPr kumimoji="1" lang="ja-JP" altLang="en-US" sz="6600" dirty="0"/>
+                <a:latin typeface="小塚ゴシック Pr6N L" panose="020B0200000000000000" pitchFamily="34" charset="-128"/>
+                <a:ea typeface="小塚ゴシック Pr6N L" panose="020B0200000000000000" pitchFamily="34" charset="-128"/>
+              </a:rPr>
+              <a:t>の年代推定</a:t>
+            </a:r>
+            <a:endParaRPr kumimoji="1" lang="ja-JP" altLang="en-US" sz="8300" dirty="0">
+              <a:solidFill>
+                <a:schemeClr val="bg1"/>
+              </a:solidFill>
+              <a:latin typeface="小塚ゴシック Pr6N L" panose="020B0200000000000000" pitchFamily="34" charset="-128"/>
+              <a:ea typeface="小塚ゴシック Pr6N L" panose="020B0200000000000000" pitchFamily="34" charset="-128"/>
+            </a:endParaRPr>
           </a:p>
         </p:txBody>
       </p:sp>
@@ -5318,7 +5322,14 @@
                 <a:latin typeface="小塚ゴシック Pr6N EL" panose="020B0200000000000000" pitchFamily="34" charset="-128"/>
                 <a:ea typeface="小塚ゴシック Pr6N EL" panose="020B0200000000000000" pitchFamily="34" charset="-128"/>
               </a:rPr>
-              <a:t>したアルゴリズム</a:t>
+              <a:t>した</a:t>
+            </a:r>
+            <a:r>
+              <a:rPr lang="ja-JP" altLang="en-US" sz="5400" dirty="0" smtClean="0">
+                <a:latin typeface="小塚ゴシック Pr6N EL" panose="020B0200000000000000" pitchFamily="34" charset="-128"/>
+                <a:ea typeface="小塚ゴシック Pr6N EL" panose="020B0200000000000000" pitchFamily="34" charset="-128"/>
+              </a:rPr>
+              <a:t>アルゴリズムである．</a:t>
             </a:r>
             <a:endParaRPr lang="en-US" altLang="ja-JP" sz="5400" dirty="0" smtClean="0">
               <a:latin typeface="小塚ゴシック Pr6N EL" panose="020B0200000000000000" pitchFamily="34" charset="-128"/>
@@ -6346,17 +6357,9 @@
                   <a:srgbClr val="001570"/>
                 </a:solidFill>
               </a:rPr>
-              <a:t>ディープラーニング</a:t>
-            </a:r>
-            <a:r>
-              <a:rPr lang="ja-JP" altLang="en-US" sz="5400" u="sng" dirty="0" smtClean="0">
-                <a:solidFill>
-                  <a:srgbClr val="001570"/>
-                </a:solidFill>
-              </a:rPr>
-              <a:t>を使えば</a:t>
-            </a:r>
-            <a:endParaRPr lang="en-US" altLang="ja-JP" sz="5400" u="sng" dirty="0" smtClean="0">
+              <a:t>ディープラーニングで人間の</a:t>
+            </a:r>
+            <a:endParaRPr kumimoji="1" lang="en-US" altLang="ja-JP" sz="5400" u="sng" dirty="0" smtClean="0">
               <a:solidFill>
                 <a:srgbClr val="001570"/>
               </a:solidFill>
@@ -6364,28 +6367,28 @@
           </a:p>
           <a:p>
             <a:r>
-              <a:rPr lang="ja-JP" altLang="en-US" sz="5400" u="sng" dirty="0" smtClean="0">
+              <a:rPr lang="en-US" altLang="ja-JP" sz="5400" dirty="0">
                 <a:solidFill>
                   <a:srgbClr val="001570"/>
                 </a:solidFill>
               </a:rPr>
-              <a:t>トレンドの</a:t>
-            </a:r>
-            <a:r>
-              <a:rPr lang="ja-JP" altLang="en-US" sz="5400" u="sng" dirty="0">
+              <a:t> </a:t>
+            </a:r>
+            <a:r>
+              <a:rPr lang="en-US" altLang="ja-JP" sz="5400" dirty="0" smtClean="0">
                 <a:solidFill>
                   <a:srgbClr val="001570"/>
                 </a:solidFill>
               </a:rPr>
-              <a:t>存在</a:t>
-            </a:r>
-            <a:r>
-              <a:rPr lang="ja-JP" altLang="en-US" sz="5400" u="sng" dirty="0" smtClean="0">
+              <a:t>   </a:t>
+            </a:r>
+            <a:r>
+              <a:rPr kumimoji="1" lang="ja-JP" altLang="en-US" sz="5400" u="sng" dirty="0" smtClean="0">
                 <a:solidFill>
                   <a:srgbClr val="001570"/>
                 </a:solidFill>
               </a:rPr>
-              <a:t>を証明できる！</a:t>
+              <a:t>ように年代を推定できるのか</a:t>
             </a:r>
             <a:endParaRPr kumimoji="1" lang="ja-JP" altLang="en-US" sz="5400" u="sng" dirty="0">
               <a:solidFill>
@@ -7582,35 +7585,21 @@
                 <a:latin typeface="小塚ゴシック Pr6N EL" panose="020B0200000000000000" pitchFamily="34" charset="-128"/>
                 <a:ea typeface="小塚ゴシック Pr6N EL" panose="020B0200000000000000" pitchFamily="34" charset="-128"/>
               </a:rPr>
-              <a:t>の</a:t>
+              <a:t>のページ計</a:t>
+            </a:r>
+            <a:r>
+              <a:rPr kumimoji="1" lang="en-US" altLang="ja-JP" sz="4400" dirty="0" smtClean="0">
+                <a:latin typeface="小塚ゴシック Pr6N EL" panose="020B0200000000000000" pitchFamily="34" charset="-128"/>
+                <a:ea typeface="小塚ゴシック Pr6N EL" panose="020B0200000000000000" pitchFamily="34" charset="-128"/>
+              </a:rPr>
+              <a:t>56</a:t>
             </a:r>
             <a:r>
               <a:rPr kumimoji="1" lang="ja-JP" altLang="en-US" sz="4400" dirty="0" smtClean="0">
                 <a:latin typeface="小塚ゴシック Pr6N EL" panose="020B0200000000000000" pitchFamily="34" charset="-128"/>
                 <a:ea typeface="小塚ゴシック Pr6N EL" panose="020B0200000000000000" pitchFamily="34" charset="-128"/>
               </a:rPr>
-              <a:t>ページ計</a:t>
-            </a:r>
-            <a:r>
-              <a:rPr kumimoji="1" lang="en-US" altLang="ja-JP" sz="4400" dirty="0" smtClean="0">
-                <a:latin typeface="小塚ゴシック Pr6N EL" panose="020B0200000000000000" pitchFamily="34" charset="-128"/>
-                <a:ea typeface="小塚ゴシック Pr6N EL" panose="020B0200000000000000" pitchFamily="34" charset="-128"/>
-              </a:rPr>
-              <a:t>56</a:t>
-            </a:r>
-            <a:r>
-              <a:rPr kumimoji="1" lang="ja-JP" altLang="en-US" sz="4400" dirty="0" smtClean="0">
-                <a:latin typeface="小塚ゴシック Pr6N EL" panose="020B0200000000000000" pitchFamily="34" charset="-128"/>
-                <a:ea typeface="小塚ゴシック Pr6N EL" panose="020B0200000000000000" pitchFamily="34" charset="-128"/>
-              </a:rPr>
-              <a:t>枚</a:t>
-            </a:r>
-            <a:r>
-              <a:rPr kumimoji="1" lang="ja-JP" altLang="en-US" sz="4400" dirty="0" smtClean="0">
-                <a:latin typeface="小塚ゴシック Pr6N EL" panose="020B0200000000000000" pitchFamily="34" charset="-128"/>
-                <a:ea typeface="小塚ゴシック Pr6N EL" panose="020B0200000000000000" pitchFamily="34" charset="-128"/>
-              </a:rPr>
-              <a:t>を</a:t>
+              <a:t>枚を</a:t>
             </a:r>
             <a:endParaRPr kumimoji="1" lang="en-US" altLang="ja-JP" sz="4400" dirty="0" smtClean="0">
               <a:latin typeface="小塚ゴシック Pr6N EL" panose="020B0200000000000000" pitchFamily="34" charset="-128"/>
@@ -7630,7 +7619,7 @@
                 <a:latin typeface="小塚ゴシック Pr6N EL" panose="020B0200000000000000" pitchFamily="34" charset="-128"/>
                 <a:ea typeface="小塚ゴシック Pr6N EL" panose="020B0200000000000000" pitchFamily="34" charset="-128"/>
               </a:rPr>
-              <a:t>し，</a:t>
+              <a:t>し</a:t>
             </a:r>
             <a:r>
               <a:rPr lang="en-US" altLang="ja-JP" sz="4400" dirty="0" err="1" smtClean="0">
@@ -7651,7 +7640,7 @@
                 <a:latin typeface="小塚ゴシック Pr6N EL" panose="020B0200000000000000" pitchFamily="34" charset="-128"/>
                 <a:ea typeface="小塚ゴシック Pr6N EL" panose="020B0200000000000000" pitchFamily="34" charset="-128"/>
               </a:rPr>
-              <a:t>学習</a:t>
+              <a:t>学習した</a:t>
             </a:r>
             <a:endParaRPr kumimoji="1" lang="en-US" altLang="ja-JP" sz="4400" dirty="0" smtClean="0">
               <a:latin typeface="小塚ゴシック Pr6N EL" panose="020B0200000000000000" pitchFamily="34" charset="-128"/>
@@ -8619,7 +8608,7 @@
         <p:spPr>
           <a:xfrm>
             <a:off x="10937038" y="11499517"/>
-            <a:ext cx="10006259" cy="3477875"/>
+            <a:ext cx="10449762" cy="3447098"/>
           </a:xfrm>
           <a:prstGeom prst="rect">
             <a:avLst/>
@@ -8719,6 +8708,14 @@
               </a:rPr>
               <a:t>キャプチャ</a:t>
             </a:r>
+            <a:r>
+              <a:rPr lang="ja-JP" altLang="en-US" sz="4000" dirty="0" smtClean="0">
+                <a:solidFill>
+                  <a:srgbClr val="001570"/>
+                </a:solidFill>
+              </a:rPr>
+              <a:t>する．</a:t>
+            </a:r>
             <a:endParaRPr kumimoji="1" lang="en-US" altLang="ja-JP" sz="4000" dirty="0" smtClean="0">
               <a:solidFill>
                 <a:srgbClr val="001570"/>
@@ -8748,7 +8745,15 @@
                   <a:srgbClr val="001570"/>
                 </a:solidFill>
               </a:rPr>
-              <a:t>ページの画像を年代別にタグ付けし，</a:t>
+              <a:t>ページの画像を年代別にタグ付け</a:t>
+            </a:r>
+            <a:r>
+              <a:rPr lang="ja-JP" altLang="en-US" sz="4000" dirty="0" smtClean="0">
+                <a:solidFill>
+                  <a:srgbClr val="001570"/>
+                </a:solidFill>
+              </a:rPr>
+              <a:t>し</a:t>
             </a:r>
             <a:endParaRPr lang="en-US" altLang="ja-JP" sz="4000" dirty="0" smtClean="0">
               <a:solidFill>
@@ -8771,39 +8776,47 @@
                   <a:srgbClr val="001570"/>
                 </a:solidFill>
               </a:rPr>
-              <a:t>　ライブラリ</a:t>
-            </a:r>
-            <a:r>
-              <a:rPr lang="en-US" altLang="ja-JP" sz="5400" dirty="0" smtClean="0">
+              <a:t>　</a:t>
+            </a:r>
+            <a:r>
+              <a:rPr lang="ja-JP" altLang="en-US" sz="4000" dirty="0" smtClean="0">
                 <a:solidFill>
                   <a:srgbClr val="001570"/>
                 </a:solidFill>
               </a:rPr>
+              <a:t>ライブラリ</a:t>
+            </a:r>
+            <a:r>
+              <a:rPr lang="ja-JP" altLang="en-US" sz="5400" b="1" dirty="0">
+                <a:solidFill>
+                  <a:srgbClr val="001570"/>
+                </a:solidFill>
+              </a:rPr>
+              <a:t>“</a:t>
+            </a:r>
+            <a:r>
+              <a:rPr lang="en-US" altLang="ja-JP" sz="5400" dirty="0" err="1" smtClean="0">
+                <a:solidFill>
+                  <a:srgbClr val="001570"/>
+                </a:solidFill>
+              </a:rPr>
+              <a:t>Caffe</a:t>
+            </a:r>
+            <a:r>
+              <a:rPr lang="ja-JP" altLang="en-US" sz="5400" b="1" dirty="0">
+                <a:solidFill>
+                  <a:srgbClr val="001570"/>
+                </a:solidFill>
+              </a:rPr>
               <a:t>”</a:t>
             </a:r>
             <a:r>
-              <a:rPr lang="en-US" altLang="ja-JP" sz="5400" dirty="0" err="1" smtClean="0">
+              <a:rPr lang="ja-JP" altLang="en-US" sz="4000" dirty="0" smtClean="0">
                 <a:solidFill>
                   <a:srgbClr val="001570"/>
                 </a:solidFill>
               </a:rPr>
-              <a:t>Caffe</a:t>
-            </a:r>
-            <a:r>
-              <a:rPr lang="en-US" altLang="ja-JP" sz="5400" dirty="0" smtClean="0">
-                <a:solidFill>
-                  <a:srgbClr val="001570"/>
-                </a:solidFill>
-              </a:rPr>
-              <a:t>”</a:t>
-            </a:r>
-            <a:r>
-              <a:rPr lang="ja-JP" altLang="en-US" sz="4000" dirty="0" smtClean="0">
-                <a:solidFill>
-                  <a:srgbClr val="001570"/>
-                </a:solidFill>
-              </a:rPr>
-              <a:t>で学習</a:t>
+              <a:t>で学習する．</a:t>
             </a:r>
             <a:endParaRPr lang="en-US" altLang="ja-JP" sz="4000" dirty="0" smtClean="0">
               <a:solidFill>
@@ -8834,7 +8847,31 @@
                   <a:srgbClr val="001570"/>
                 </a:solidFill>
               </a:rPr>
-              <a:t>ページ画像を与え，年代を解析</a:t>
+              <a:t>ページ画像を</a:t>
+            </a:r>
+            <a:r>
+              <a:rPr kumimoji="1" lang="ja-JP" altLang="en-US" sz="4000" dirty="0" smtClean="0">
+                <a:solidFill>
+                  <a:srgbClr val="001570"/>
+                </a:solidFill>
+              </a:rPr>
+              <a:t>与え年代</a:t>
+            </a:r>
+            <a:r>
+              <a:rPr kumimoji="1" lang="ja-JP" altLang="en-US" sz="4000" dirty="0" smtClean="0">
+                <a:solidFill>
+                  <a:srgbClr val="001570"/>
+                </a:solidFill>
+              </a:rPr>
+              <a:t>を</a:t>
+            </a:r>
+            <a:r>
+              <a:rPr kumimoji="1" lang="ja-JP" altLang="en-US" sz="4000" dirty="0" smtClean="0">
+                <a:solidFill>
+                  <a:srgbClr val="001570"/>
+                </a:solidFill>
+              </a:rPr>
+              <a:t>解析する．</a:t>
             </a:r>
             <a:endParaRPr kumimoji="1" lang="ja-JP" altLang="en-US" sz="4000" dirty="0">
               <a:solidFill>

--- a/課題研究/2016/増田準/最終発表/1442104増田準_ポスター.pptx
+++ b/課題研究/2016/増田準/最終発表/1442104増田準_ポスター.pptx
@@ -4576,19 +4576,27 @@
           <a:p>
             <a:r>
               <a:rPr lang="ja-JP" altLang="en-US" sz="4000" dirty="0" smtClean="0"/>
-              <a:t>手書きの数字</a:t>
-            </a:r>
-            <a:r>
-              <a:rPr lang="en-US" altLang="ja-JP" sz="4000" dirty="0"/>
-              <a:t>(</a:t>
-            </a:r>
-            <a:r>
-              <a:rPr lang="en-US" altLang="ja-JP" sz="4000" dirty="0" smtClean="0"/>
-              <a:t>0~9)</a:t>
+              <a:t>手書きの</a:t>
             </a:r>
             <a:r>
               <a:rPr lang="ja-JP" altLang="en-US" sz="4000" dirty="0" smtClean="0"/>
-              <a:t>の画像が大量に</a:t>
+              <a:t>数字</a:t>
+            </a:r>
+            <a:r>
+              <a:rPr lang="ja-JP" altLang="en-US" sz="4000" dirty="0" smtClean="0"/>
+              <a:t>（０～９</a:t>
+            </a:r>
+            <a:r>
+              <a:rPr lang="ja-JP" altLang="en-US" sz="4000" dirty="0"/>
+              <a:t>）</a:t>
+            </a:r>
+            <a:r>
+              <a:rPr lang="ja-JP" altLang="en-US" sz="4000" dirty="0" smtClean="0"/>
+              <a:t>の</a:t>
+            </a:r>
+            <a:r>
+              <a:rPr lang="ja-JP" altLang="en-US" sz="4000" dirty="0" smtClean="0"/>
+              <a:t>画像が大量に</a:t>
             </a:r>
             <a:endParaRPr lang="en-US" altLang="ja-JP" sz="4000" dirty="0" smtClean="0"/>
           </a:p>
@@ -5322,14 +5330,7 @@
                 <a:latin typeface="小塚ゴシック Pr6N EL" panose="020B0200000000000000" pitchFamily="34" charset="-128"/>
                 <a:ea typeface="小塚ゴシック Pr6N EL" panose="020B0200000000000000" pitchFamily="34" charset="-128"/>
               </a:rPr>
-              <a:t>した</a:t>
-            </a:r>
-            <a:r>
-              <a:rPr lang="ja-JP" altLang="en-US" sz="5400" dirty="0" smtClean="0">
-                <a:latin typeface="小塚ゴシック Pr6N EL" panose="020B0200000000000000" pitchFamily="34" charset="-128"/>
-                <a:ea typeface="小塚ゴシック Pr6N EL" panose="020B0200000000000000" pitchFamily="34" charset="-128"/>
-              </a:rPr>
-              <a:t>アルゴリズムである．</a:t>
+              <a:t>したアルゴリズムである．</a:t>
             </a:r>
             <a:endParaRPr lang="en-US" altLang="ja-JP" sz="5400" dirty="0" smtClean="0">
               <a:latin typeface="小塚ゴシック Pr6N EL" panose="020B0200000000000000" pitchFamily="34" charset="-128"/>
@@ -6349,15 +6350,7 @@
                   <a:srgbClr val="001570"/>
                 </a:solidFill>
               </a:rPr>
-              <a:t>→</a:t>
-            </a:r>
-            <a:r>
-              <a:rPr kumimoji="1" lang="ja-JP" altLang="en-US" sz="5400" u="sng" dirty="0" smtClean="0">
-                <a:solidFill>
-                  <a:srgbClr val="001570"/>
-                </a:solidFill>
-              </a:rPr>
-              <a:t>ディープラーニングで人間の</a:t>
+              <a:t>→ディープラーニングで人間の</a:t>
             </a:r>
             <a:endParaRPr kumimoji="1" lang="en-US" altLang="ja-JP" sz="5400" u="sng" dirty="0" smtClean="0">
               <a:solidFill>
@@ -7567,14 +7560,14 @@
               <a:t>1996</a:t>
             </a:r>
             <a:r>
-              <a:rPr lang="en-US" altLang="ja-JP" sz="4400" dirty="0" smtClean="0">
+              <a:rPr lang="ja-JP" altLang="en-US" sz="4400" dirty="0">
                 <a:latin typeface="小塚ゴシック Pr6N EL" panose="020B0200000000000000" pitchFamily="34" charset="-128"/>
                 <a:ea typeface="小塚ゴシック Pr6N EL" panose="020B0200000000000000" pitchFamily="34" charset="-128"/>
               </a:rPr>
-              <a:t>~</a:t>
-            </a:r>
-            <a:r>
-              <a:rPr kumimoji="1" lang="en-US" altLang="ja-JP" sz="4400" dirty="0" smtClean="0">
+              <a:t>～</a:t>
+            </a:r>
+            <a:r>
+              <a:rPr kumimoji="1" lang="en-US" altLang="ja-JP" sz="4400" smtClean="0">
                 <a:latin typeface="小塚ゴシック Pr6N EL" panose="020B0200000000000000" pitchFamily="34" charset="-128"/>
                 <a:ea typeface="小塚ゴシック Pr6N EL" panose="020B0200000000000000" pitchFamily="34" charset="-128"/>
               </a:rPr>
@@ -8745,15 +8738,7 @@
                   <a:srgbClr val="001570"/>
                 </a:solidFill>
               </a:rPr>
-              <a:t>ページの画像を年代別にタグ付け</a:t>
-            </a:r>
-            <a:r>
-              <a:rPr lang="ja-JP" altLang="en-US" sz="4000" dirty="0" smtClean="0">
-                <a:solidFill>
-                  <a:srgbClr val="001570"/>
-                </a:solidFill>
-              </a:rPr>
-              <a:t>し</a:t>
+              <a:t>ページの画像を年代別にタグ付けし</a:t>
             </a:r>
             <a:endParaRPr lang="en-US" altLang="ja-JP" sz="4000" dirty="0" smtClean="0">
               <a:solidFill>
@@ -8776,15 +8761,7 @@
                   <a:srgbClr val="001570"/>
                 </a:solidFill>
               </a:rPr>
-              <a:t>　</a:t>
-            </a:r>
-            <a:r>
-              <a:rPr lang="ja-JP" altLang="en-US" sz="4000" dirty="0" smtClean="0">
-                <a:solidFill>
-                  <a:srgbClr val="001570"/>
-                </a:solidFill>
-              </a:rPr>
-              <a:t>ライブラリ</a:t>
+              <a:t>　ライブラリ</a:t>
             </a:r>
             <a:r>
               <a:rPr lang="ja-JP" altLang="en-US" sz="5400" b="1" dirty="0">
@@ -8847,31 +8824,7 @@
                   <a:srgbClr val="001570"/>
                 </a:solidFill>
               </a:rPr>
-              <a:t>ページ画像を</a:t>
-            </a:r>
-            <a:r>
-              <a:rPr kumimoji="1" lang="ja-JP" altLang="en-US" sz="4000" dirty="0" smtClean="0">
-                <a:solidFill>
-                  <a:srgbClr val="001570"/>
-                </a:solidFill>
-              </a:rPr>
-              <a:t>与え年代</a:t>
-            </a:r>
-            <a:r>
-              <a:rPr kumimoji="1" lang="ja-JP" altLang="en-US" sz="4000" dirty="0" smtClean="0">
-                <a:solidFill>
-                  <a:srgbClr val="001570"/>
-                </a:solidFill>
-              </a:rPr>
-              <a:t>を</a:t>
-            </a:r>
-            <a:r>
-              <a:rPr kumimoji="1" lang="ja-JP" altLang="en-US" sz="4000" dirty="0" smtClean="0">
-                <a:solidFill>
-                  <a:srgbClr val="001570"/>
-                </a:solidFill>
-              </a:rPr>
-              <a:t>解析する．</a:t>
+              <a:t>ページ画像を与え年代を解析する．</a:t>
             </a:r>
             <a:endParaRPr kumimoji="1" lang="ja-JP" altLang="en-US" sz="4000" dirty="0">
               <a:solidFill>

--- a/課題研究/2016/増田準/最終発表/1442104増田準_ポスター.pptx
+++ b/課題研究/2016/増田準/最終発表/1442104増田準_ポスター.pptx
@@ -208,7 +208,7 @@
           <a:p>
             <a:fld id="{210935E7-A51F-4FE3-8E46-E43B536CCFB8}" type="datetimeFigureOut">
               <a:rPr kumimoji="1" lang="ja-JP" altLang="en-US" smtClean="0"/>
-              <a:t>2016/12/15</a:t>
+              <a:t>2016/12/16</a:t>
             </a:fld>
             <a:endParaRPr kumimoji="1" lang="ja-JP" altLang="en-US"/>
           </a:p>
@@ -731,7 +731,7 @@
                 </a:solidFill>
               </a:rPr>
               <a:pPr/>
-              <a:t>2016/12/15</a:t>
+              <a:t>2016/12/16</a:t>
             </a:fld>
             <a:endParaRPr lang="ja-JP" altLang="en-US">
               <a:solidFill>
@@ -970,7 +970,7 @@
                 </a:solidFill>
               </a:rPr>
               <a:pPr/>
-              <a:t>2016/12/15</a:t>
+              <a:t>2016/12/16</a:t>
             </a:fld>
             <a:endParaRPr lang="ja-JP" altLang="en-US">
               <a:solidFill>
@@ -1219,7 +1219,7 @@
                 </a:solidFill>
               </a:rPr>
               <a:pPr/>
-              <a:t>2016/12/15</a:t>
+              <a:t>2016/12/16</a:t>
             </a:fld>
             <a:endParaRPr lang="ja-JP" altLang="en-US">
               <a:solidFill>
@@ -1458,7 +1458,7 @@
                 </a:solidFill>
               </a:rPr>
               <a:pPr/>
-              <a:t>2016/12/15</a:t>
+              <a:t>2016/12/16</a:t>
             </a:fld>
             <a:endParaRPr lang="ja-JP" altLang="en-US">
               <a:solidFill>
@@ -1741,7 +1741,7 @@
                 </a:solidFill>
               </a:rPr>
               <a:pPr/>
-              <a:t>2016/12/15</a:t>
+              <a:t>2016/12/16</a:t>
             </a:fld>
             <a:endParaRPr lang="ja-JP" altLang="en-US">
               <a:solidFill>
@@ -2074,7 +2074,7 @@
                 </a:solidFill>
               </a:rPr>
               <a:pPr/>
-              <a:t>2016/12/15</a:t>
+              <a:t>2016/12/16</a:t>
             </a:fld>
             <a:endParaRPr lang="ja-JP" altLang="en-US">
               <a:solidFill>
@@ -2542,7 +2542,7 @@
                 </a:solidFill>
               </a:rPr>
               <a:pPr/>
-              <a:t>2016/12/15</a:t>
+              <a:t>2016/12/16</a:t>
             </a:fld>
             <a:endParaRPr lang="ja-JP" altLang="en-US">
               <a:solidFill>
@@ -2697,7 +2697,7 @@
                 </a:solidFill>
               </a:rPr>
               <a:pPr/>
-              <a:t>2016/12/15</a:t>
+              <a:t>2016/12/16</a:t>
             </a:fld>
             <a:endParaRPr lang="ja-JP" altLang="en-US">
               <a:solidFill>
@@ -2829,7 +2829,7 @@
                 </a:solidFill>
               </a:rPr>
               <a:pPr/>
-              <a:t>2016/12/15</a:t>
+              <a:t>2016/12/16</a:t>
             </a:fld>
             <a:endParaRPr lang="ja-JP" altLang="en-US">
               <a:solidFill>
@@ -3175,7 +3175,7 @@
                 </a:solidFill>
               </a:rPr>
               <a:pPr/>
-              <a:t>2016/12/15</a:t>
+              <a:t>2016/12/16</a:t>
             </a:fld>
             <a:endParaRPr lang="ja-JP" altLang="en-US">
               <a:solidFill>
@@ -3465,7 +3465,7 @@
                 </a:solidFill>
               </a:rPr>
               <a:pPr/>
-              <a:t>2016/12/15</a:t>
+              <a:t>2016/12/16</a:t>
             </a:fld>
             <a:endParaRPr lang="ja-JP" altLang="en-US">
               <a:solidFill>
@@ -3748,7 +3748,7 @@
                 </a:solidFill>
               </a:rPr>
               <a:pPr defTabSz="2951897"/>
-              <a:t>2016/12/15</a:t>
+              <a:t>2016/12/16</a:t>
             </a:fld>
             <a:endParaRPr lang="ja-JP" altLang="en-US">
               <a:solidFill>
@@ -4576,15 +4576,7 @@
           <a:p>
             <a:r>
               <a:rPr lang="ja-JP" altLang="en-US" sz="4000" dirty="0" smtClean="0"/>
-              <a:t>手書きの</a:t>
-            </a:r>
-            <a:r>
-              <a:rPr lang="ja-JP" altLang="en-US" sz="4000" dirty="0" smtClean="0"/>
-              <a:t>数字</a:t>
-            </a:r>
-            <a:r>
-              <a:rPr lang="ja-JP" altLang="en-US" sz="4000" dirty="0" smtClean="0"/>
-              <a:t>（０～９</a:t>
+              <a:t>手書きの数字（０～９</a:t>
             </a:r>
             <a:r>
               <a:rPr lang="ja-JP" altLang="en-US" sz="4000" dirty="0"/>
@@ -4592,11 +4584,7 @@
             </a:r>
             <a:r>
               <a:rPr lang="ja-JP" altLang="en-US" sz="4000" dirty="0" smtClean="0"/>
-              <a:t>の</a:t>
-            </a:r>
-            <a:r>
-              <a:rPr lang="ja-JP" altLang="en-US" sz="4000" dirty="0" smtClean="0"/>
-              <a:t>画像が大量に</a:t>
+              <a:t>の画像が大量に</a:t>
             </a:r>
             <a:endParaRPr lang="en-US" altLang="ja-JP" sz="4000" dirty="0" smtClean="0"/>
           </a:p>
@@ -6804,8 +6792,8 @@
         </p:nvSpPr>
         <p:spPr>
           <a:xfrm>
-            <a:off x="10915541" y="21969313"/>
-            <a:ext cx="6145199" cy="584775"/>
+            <a:off x="10902530" y="21792925"/>
+            <a:ext cx="7332872" cy="1077218"/>
           </a:xfrm>
           <a:prstGeom prst="rect">
             <a:avLst/>
@@ -6832,7 +6820,7 @@
                   <a:srgbClr val="001570"/>
                 </a:solidFill>
               </a:rPr>
-              <a:t>学習</a:t>
+              <a:t>トレーニング用</a:t>
             </a:r>
             <a:r>
               <a:rPr lang="en-US" altLang="ja-JP" sz="3200" dirty="0" smtClean="0">
@@ -6840,7 +6828,7 @@
                   <a:srgbClr val="001570"/>
                 </a:solidFill>
               </a:rPr>
-              <a:t>6000</a:t>
+              <a:t>60000</a:t>
             </a:r>
             <a:r>
               <a:rPr lang="ja-JP" altLang="en-US" sz="3200" dirty="0" smtClean="0">
@@ -6848,7 +6836,30 @@
                   <a:srgbClr val="001570"/>
                 </a:solidFill>
               </a:rPr>
-              <a:t>枚／テスト</a:t>
+              <a:t>枚</a:t>
+            </a:r>
+            <a:endParaRPr lang="en-US" altLang="ja-JP" sz="3200" dirty="0" smtClean="0">
+              <a:solidFill>
+                <a:srgbClr val="001570"/>
+              </a:solidFill>
+            </a:endParaRPr>
+          </a:p>
+          <a:p>
+            <a:r>
+              <a:rPr lang="ja-JP" altLang="en-US" sz="3200" dirty="0">
+                <a:solidFill>
+                  <a:srgbClr val="001570"/>
+                </a:solidFill>
+              </a:rPr>
+              <a:t>　 </a:t>
+            </a:r>
+            <a:r>
+              <a:rPr lang="ja-JP" altLang="en-US" sz="3200" dirty="0" smtClean="0">
+                <a:solidFill>
+                  <a:srgbClr val="001570"/>
+                </a:solidFill>
+              </a:rPr>
+              <a:t>テスト用</a:t>
             </a:r>
             <a:r>
               <a:rPr lang="en-US" altLang="ja-JP" sz="3200" dirty="0" smtClean="0">
